--- a/shared/engine/tcfd/output/TCFD_table.pptx
+++ b/shared/engine/tcfd/output/TCFD_table.pptx
@@ -777,8 +777,8 @@
           <p:nvPr/>
         </p:nvGraphicFramePr>
         <p:xfrm>
-          <a:off x="457200" y="914400"/>
-          <a:ext cx="9692640" cy="4114800"/>
+          <a:off x="457200" y="731520"/>
+          <a:ext cx="9692640" cy="5303520"/>
         </p:xfrm>
         <a:graphic>
           <a:graphicData uri="http://schemas.openxmlformats.org/drawingml/2006/table">
@@ -794,7 +794,7 @@
                 <a:gridCol w="2468880"/>
                 <a:gridCol w="1920240"/>
               </a:tblGrid>
-              <a:tr h="1028700">
+              <a:tr h="883920">
                 <a:tc gridSpan="3">
                   <a:txBody>
                     <a:bodyPr/>
@@ -950,7 +950,7 @@
                   </a:tcPr>
                 </a:tc>
               </a:tr>
-              <a:tr h="1028700">
+              <a:tr h="883920">
                 <a:tc>
                   <a:txBody>
                     <a:bodyPr/>
@@ -1165,7 +1165,7 @@
                   </a:tcPr>
                 </a:tc>
               </a:tr>
-              <a:tr h="1028700">
+              <a:tr h="883920">
                 <a:tc rowSpan="2">
                   <a:txBody>
                     <a:bodyPr/>
@@ -1282,13 +1282,13 @@
                     <a:p>
                       <a:pPr algn="ctr"/>
                       <a:r>
-                        <a:rPr sz="900" b="0">
+                        <a:rPr sz="800" b="0">
                           <a:solidFill>
                             <a:srgbClr val="000000"/>
                           </a:solidFill>
                           <a:latin typeface="Arial"/>
                         </a:rPr>
-                        <a:t>Potential carbon tax of $52/tCO2e</a:t>
+                        <a:t>Mandatory emission reduction of 5% annually from 2024 baseline</a:t>
                       </a:r>
                     </a:p>
                   </a:txBody>
@@ -1317,13 +1317,13 @@
                     <a:p>
                       <a:pPr algn="ctr"/>
                       <a:r>
-                        <a:rPr sz="900" b="0">
+                        <a:rPr sz="800" b="0">
                           <a:solidFill>
                             <a:srgbClr val="000000"/>
                           </a:solidFill>
                           <a:latin typeface="Arial"/>
                         </a:rPr>
-                        <a:t>Operating cost increase by $18,767K; Gross margin impact -1.66%</a:t>
+                        <a:t>Operating cost increase by 13,971K JPY in 2025, up to 30,456K JPY in 2030; Gross margin impact -0.9% to -1.9%</a:t>
                       </a:r>
                     </a:p>
                   </a:txBody>
@@ -1352,13 +1352,13 @@
                     <a:p>
                       <a:pPr algn="ctr"/>
                       <a:r>
-                        <a:rPr sz="900" b="0">
+                        <a:rPr sz="800" b="0">
                           <a:solidFill>
                             <a:srgbClr val="000000"/>
                           </a:solidFill>
                           <a:latin typeface="Arial"/>
                         </a:rPr>
-                        <a:t>Implement internal carbon pricing (Budget: $2,000K); Accelerate low-carbon cement and steel procurement; Vertical integration of timber and mass timber (Budget: $15,000K)</a:t>
+                        <a:t>Implement internal carbon shadow price of 8000 JPY/tCO2e (Budget: 5,000K JPY); Switch to 50% renewable electricity by 2028 (Budget: 25,000K JPY)</a:t>
                       </a:r>
                     </a:p>
                   </a:txBody>
@@ -1381,7 +1381,7 @@
                   </a:tcPr>
                 </a:tc>
               </a:tr>
-              <a:tr h="1028700">
+              <a:tr h="883920">
                 <a:tc vMerge="1">
                   <a:txBody>
                     <a:bodyPr/>
@@ -1483,17 +1483,400 @@
                     <a:p>
                       <a:pPr algn="ctr"/>
                       <a:r>
+                        <a:rPr sz="800" b="0">
+                          <a:solidFill>
+                            <a:srgbClr val="000000"/>
+                          </a:solidFill>
+                          <a:latin typeface="Arial"/>
+                        </a:rPr>
+                        <a:t>Competitors adopting mass timber &amp; green concrete</a:t>
+                      </a:r>
+                    </a:p>
+                  </a:txBody>
+                  <a:tcPr anchor="ctr">
+                    <a:lnL w="0">
+                      <a:noFill/>
+                    </a:lnL>
+                    <a:lnR w="0">
+                      <a:noFill/>
+                    </a:lnR>
+                    <a:lnT w="0">
+                      <a:noFill/>
+                    </a:lnT>
+                    <a:lnB w="0">
+                      <a:noFill/>
+                    </a:lnB>
+                    <a:solidFill>
+                      <a:srgbClr val="F7F7F7"/>
+                    </a:solidFill>
+                  </a:tcPr>
+                </a:tc>
+                <a:tc>
+                  <a:txBody>
+                    <a:bodyPr/>
+                    <a:lstStyle/>
+                    <a:p>
+                      <a:pPr algn="ctr"/>
+                      <a:r>
+                        <a:rPr sz="800" b="0">
+                          <a:solidFill>
+                            <a:srgbClr val="000000"/>
+                          </a:solidFill>
+                          <a:latin typeface="Arial"/>
+                        </a:rPr>
+                        <a:t>Potential revenue loss of 319,680K JPY (20%) from top 5 clients</a:t>
+                      </a:r>
+                    </a:p>
+                  </a:txBody>
+                  <a:tcPr anchor="ctr">
+                    <a:lnL w="0">
+                      <a:noFill/>
+                    </a:lnL>
+                    <a:lnR w="0">
+                      <a:noFill/>
+                    </a:lnR>
+                    <a:lnT w="0">
+                      <a:noFill/>
+                    </a:lnT>
+                    <a:lnB w="0">
+                      <a:noFill/>
+                    </a:lnB>
+                    <a:solidFill>
+                      <a:srgbClr val="F7F7F7"/>
+                    </a:solidFill>
+                  </a:tcPr>
+                </a:tc>
+                <a:tc>
+                  <a:txBody>
+                    <a:bodyPr/>
+                    <a:lstStyle/>
+                    <a:p>
+                      <a:pPr algn="ctr"/>
+                      <a:r>
+                        <a:rPr sz="800" b="0">
+                          <a:solidFill>
+                            <a:srgbClr val="000000"/>
+                          </a:solidFill>
+                          <a:latin typeface="Arial"/>
+                        </a:rPr>
+                        <a:t>Invest 95,904K JPY (6% of revenue) in low-carbon construction material R&amp;D; Commit to SBTi 1.5°C target &amp; net-zero by 2050</a:t>
+                      </a:r>
+                    </a:p>
+                  </a:txBody>
+                  <a:tcPr anchor="ctr">
+                    <a:lnL w="0">
+                      <a:noFill/>
+                    </a:lnL>
+                    <a:lnR w="0">
+                      <a:noFill/>
+                    </a:lnR>
+                    <a:lnT w="0">
+                      <a:noFill/>
+                    </a:lnT>
+                    <a:lnB w="0">
+                      <a:noFill/>
+                    </a:lnB>
+                    <a:solidFill>
+                      <a:srgbClr val="F7F7F7"/>
+                    </a:solidFill>
+                  </a:tcPr>
+                </a:tc>
+              </a:tr>
+              <a:tr h="883920">
+                <a:tc rowSpan="2">
+                  <a:txBody>
+                    <a:bodyPr/>
+                    <a:lstStyle/>
+                    <a:p>
+                      <a:pPr algn="ctr"/>
+                      <a:r>
+                        <a:rPr sz="900" b="1">
+                          <a:solidFill>
+                            <a:srgbClr val="333333"/>
+                          </a:solidFill>
+                          <a:latin typeface="Arial"/>
+                        </a:rPr>
+                        <a:t>Transformation
+Risk</a:t>
+                      </a:r>
+                    </a:p>
+                  </a:txBody>
+                  <a:tcPr anchor="ctr">
+                    <a:lnL w="0">
+                      <a:noFill/>
+                    </a:lnL>
+                    <a:lnR w="0">
+                      <a:noFill/>
+                    </a:lnR>
+                    <a:lnT w="0">
+                      <a:noFill/>
+                    </a:lnT>
+                    <a:lnB w="0">
+                      <a:noFill/>
+                    </a:lnB>
+                    <a:solidFill>
+                      <a:srgbClr val="FFFFFF"/>
+                    </a:solidFill>
+                  </a:tcPr>
+                </a:tc>
+                <a:tc>
+                  <a:txBody>
+                    <a:bodyPr/>
+                    <a:lstStyle/>
+                    <a:p>
+                      <a:pPr algn="ctr"/>
+                      <a:r>
                         <a:rPr sz="900" b="0">
                           <a:solidFill>
+                            <a:srgbClr val="333333"/>
+                          </a:solidFill>
+                          <a:latin typeface="Arial"/>
+                        </a:rPr>
+                        <a:t>Market
+Disruption</a:t>
+                      </a:r>
+                    </a:p>
+                  </a:txBody>
+                  <a:tcPr anchor="ctr">
+                    <a:lnL w="0">
+                      <a:noFill/>
+                    </a:lnL>
+                    <a:lnR w="0">
+                      <a:noFill/>
+                    </a:lnR>
+                    <a:lnT w="0">
+                      <a:noFill/>
+                    </a:lnT>
+                    <a:lnB w="0">
+                      <a:noFill/>
+                    </a:lnB>
+                    <a:solidFill>
+                      <a:srgbClr val="FFFFFF"/>
+                    </a:solidFill>
+                  </a:tcPr>
+                </a:tc>
+                <a:tc>
+                  <a:txBody>
+                    <a:bodyPr/>
+                    <a:lstStyle/>
+                    <a:p>
+                      <a:pPr algn="ctr"/>
+                      <a:r>
+                        <a:rPr sz="900" b="0">
+                          <a:solidFill>
+                            <a:srgbClr val="333333"/>
+                          </a:solidFill>
+                          <a:latin typeface="Arial"/>
+                        </a:rPr>
+                        <a:t>Medium-term</a:t>
+                      </a:r>
+                    </a:p>
+                  </a:txBody>
+                  <a:tcPr anchor="ctr">
+                    <a:lnL w="0">
+                      <a:noFill/>
+                    </a:lnL>
+                    <a:lnR w="0">
+                      <a:noFill/>
+                    </a:lnR>
+                    <a:lnT w="0">
+                      <a:noFill/>
+                    </a:lnT>
+                    <a:lnB w="0">
+                      <a:noFill/>
+                    </a:lnB>
+                    <a:solidFill>
+                      <a:srgbClr val="FFFFFF"/>
+                    </a:solidFill>
+                  </a:tcPr>
+                </a:tc>
+                <a:tc>
+                  <a:txBody>
+                    <a:bodyPr/>
+                    <a:lstStyle/>
+                    <a:p/>
+                  </a:txBody>
+                  <a:tcPr>
+                    <a:lnL w="0">
+                      <a:noFill/>
+                    </a:lnL>
+                    <a:lnR w="0">
+                      <a:noFill/>
+                    </a:lnR>
+                    <a:lnT w="0">
+                      <a:noFill/>
+                    </a:lnT>
+                    <a:lnB w="0">
+                      <a:noFill/>
+                    </a:lnB>
+                    <a:solidFill>
+                      <a:srgbClr val="FFFFFF"/>
+                    </a:solidFill>
+                  </a:tcPr>
+                </a:tc>
+                <a:tc>
+                  <a:txBody>
+                    <a:bodyPr/>
+                    <a:lstStyle/>
+                    <a:p/>
+                  </a:txBody>
+                  <a:tcPr>
+                    <a:lnL w="0">
+                      <a:noFill/>
+                    </a:lnL>
+                    <a:lnR w="0">
+                      <a:noFill/>
+                    </a:lnR>
+                    <a:lnT w="0">
+                      <a:noFill/>
+                    </a:lnT>
+                    <a:lnB w="0">
+                      <a:noFill/>
+                    </a:lnB>
+                    <a:solidFill>
+                      <a:srgbClr val="FFFFFF"/>
+                    </a:solidFill>
+                  </a:tcPr>
+                </a:tc>
+                <a:tc>
+                  <a:txBody>
+                    <a:bodyPr/>
+                    <a:lstStyle/>
+                    <a:p/>
+                  </a:txBody>
+                  <a:tcPr>
+                    <a:lnL w="0">
+                      <a:noFill/>
+                    </a:lnL>
+                    <a:lnR w="0">
+                      <a:noFill/>
+                    </a:lnR>
+                    <a:lnT w="0">
+                      <a:noFill/>
+                    </a:lnT>
+                    <a:lnB w="0">
+                      <a:noFill/>
+                    </a:lnB>
+                    <a:solidFill>
+                      <a:srgbClr val="FFFFFF"/>
+                    </a:solidFill>
+                  </a:tcPr>
+                </a:tc>
+              </a:tr>
+              <a:tr h="883920">
+                <a:tc vMerge="1">
+                  <a:txBody>
+                    <a:bodyPr/>
+                    <a:lstStyle/>
+                    <a:p/>
+                  </a:txBody>
+                  <a:tcPr>
+                    <a:lnL w="0">
+                      <a:noFill/>
+                    </a:lnL>
+                    <a:lnR w="0">
+                      <a:noFill/>
+                    </a:lnR>
+                    <a:lnT w="0">
+                      <a:noFill/>
+                    </a:lnT>
+                    <a:lnB w="0">
+                      <a:noFill/>
+                    </a:lnB>
+                    <a:solidFill>
+                      <a:srgbClr val="F7F7F7"/>
+                    </a:solidFill>
+                  </a:tcPr>
+                </a:tc>
+                <a:tc>
+                  <a:txBody>
+                    <a:bodyPr/>
+                    <a:lstStyle/>
+                    <a:p>
+                      <a:pPr algn="ctr"/>
+                      <a:r>
+                        <a:rPr sz="900" b="0">
+                          <a:solidFill>
+                            <a:srgbClr val="333333"/>
+                          </a:solidFill>
+                          <a:latin typeface="Arial"/>
+                        </a:rPr>
+                        <a:t>Reputation
+Risk</a:t>
+                      </a:r>
+                    </a:p>
+                  </a:txBody>
+                  <a:tcPr anchor="ctr">
+                    <a:lnL w="0">
+                      <a:noFill/>
+                    </a:lnL>
+                    <a:lnR w="0">
+                      <a:noFill/>
+                    </a:lnR>
+                    <a:lnT w="0">
+                      <a:noFill/>
+                    </a:lnT>
+                    <a:lnB w="0">
+                      <a:noFill/>
+                    </a:lnB>
+                    <a:solidFill>
+                      <a:srgbClr val="F7F7F7"/>
+                    </a:solidFill>
+                  </a:tcPr>
+                </a:tc>
+                <a:tc>
+                  <a:txBody>
+                    <a:bodyPr/>
+                    <a:lstStyle/>
+                    <a:p>
+                      <a:pPr algn="ctr"/>
+                      <a:r>
+                        <a:rPr sz="900" b="0">
+                          <a:solidFill>
+                            <a:srgbClr val="333333"/>
+                          </a:solidFill>
+                          <a:latin typeface="Arial"/>
+                        </a:rPr>
+                        <a:t>Long-term</a:t>
+                      </a:r>
+                    </a:p>
+                  </a:txBody>
+                  <a:tcPr anchor="ctr">
+                    <a:lnL w="0">
+                      <a:noFill/>
+                    </a:lnL>
+                    <a:lnR w="0">
+                      <a:noFill/>
+                    </a:lnR>
+                    <a:lnT w="0">
+                      <a:noFill/>
+                    </a:lnT>
+                    <a:lnB w="0">
+                      <a:noFill/>
+                    </a:lnB>
+                    <a:solidFill>
+                      <a:srgbClr val="F7F7F7"/>
+                    </a:solidFill>
+                  </a:tcPr>
+                </a:tc>
+                <a:tc>
+                  <a:txBody>
+                    <a:bodyPr/>
+                    <a:lstStyle/>
+                    <a:p>
+                      <a:pPr algn="ctr"/>
+                      <a:r>
+                        <a:rPr sz="900" b="0">
+                          <a:solidFill>
                             <a:srgbClr val="000000"/>
                           </a:solidFill>
                           <a:latin typeface="Arial"/>
                         </a:rPr>
-                        <a:t>Competitor investment in modular construction and BIM</a:t>
-                      </a:r>
-                    </a:p>
-                  </a:txBody>
-                  <a:tcPr anchor="ctr">
+                        <a:t/>
+                      </a:r>
+                    </a:p>
+                  </a:txBody>
+                  <a:tcPr anchor="t">
                     <a:lnL w="0">
                       <a:noFill/>
                     </a:lnL>
@@ -1524,11 +1907,11 @@
                           </a:solidFill>
                           <a:latin typeface="Arial"/>
                         </a:rPr>
-                        <a:t>Potential revenue loss of $226,440K from top 20 clients</a:t>
-                      </a:r>
-                    </a:p>
-                  </a:txBody>
-                  <a:tcPr anchor="ctr">
+                        <a:t/>
+                      </a:r>
+                    </a:p>
+                  </a:txBody>
+                  <a:tcPr anchor="t">
                     <a:lnL w="0">
                       <a:noFill/>
                     </a:lnL>
@@ -1559,11 +1942,11 @@
                           </a:solidFill>
                           <a:latin typeface="Arial"/>
                         </a:rPr>
-                        <a:t>R&amp;D investment in modular construction and BIM (Budget: $50,000K); Obtain LEED certification for 100% of new construction by 2026; Launch client education program on low-carbon building materials and techniques (Budget: $5,000K)</a:t>
-                      </a:r>
-                    </a:p>
-                  </a:txBody>
-                  <a:tcPr anchor="ctr">
+                        <a:t/>
+                      </a:r>
+                    </a:p>
+                  </a:txBody>
+                  <a:tcPr anchor="t">
                     <a:lnL w="0">
                       <a:noFill/>
                     </a:lnL>
@@ -2124,7 +2507,7 @@
                           </a:solidFill>
                           <a:latin typeface="Arial"/>
                         </a:rPr>
-                        <a:t>Flooding disrupting material delivery</a:t>
+                        <a:t>Heatwaves impacting worker health &amp; productivity</a:t>
                       </a:r>
                     </a:p>
                   </a:txBody>
@@ -2159,7 +2542,7 @@
                           </a:solidFill>
                           <a:latin typeface="Arial"/>
                         </a:rPr>
-                        <a:t>Asset repair cost est. $2,500K; Project delays up to 30 days</a:t>
+                        <a:t>Asset repair cost est. ¥50,000K; 10% productivity loss equiv. to ¥20,000K</a:t>
                       </a:r>
                     </a:p>
                   </a:txBody>
@@ -2194,7 +2577,7 @@
                           </a:solidFill>
                           <a:latin typeface="Arial"/>
                         </a:rPr>
-                        <a:t>Upgrade site drainage &amp; flood barriers (Budget: $750K); Diversify material suppliers; Increase inventory buffer</a:t>
+                        <a:t>Invest in flood defenses (Budget: ¥15,000K); Implement heat stress mgmt. program (Budget: ¥5,000K)</a:t>
                       </a:r>
                     </a:p>
                   </a:txBody>
@@ -2338,7 +2721,7 @@
                           </a:solidFill>
                           <a:latin typeface="Arial"/>
                         </a:rPr>
-                        <a:t>Rising sea levels &amp; coastal erosion impacting foundation integrity</a:t>
+                        <a:t>Increased AC demand from higher temps</a:t>
                       </a:r>
                     </a:p>
                   </a:txBody>
@@ -2373,7 +2756,7 @@
                           </a:solidFill>
                           <a:latin typeface="Arial"/>
                         </a:rPr>
-                        <a:t>Reinforcement &amp; remediation cost $1,200K/year by 2030</a:t>
+                        <a:t>Project delays cost ¥30,000K; Electricity cost increase ¥10,000K/year</a:t>
                       </a:r>
                     </a:p>
                   </a:txBody>
@@ -2408,7 +2791,7 @@
                           </a:solidFill>
                           <a:latin typeface="Arial"/>
                         </a:rPr>
-                        <a:t>Adopt flood-resilient foundation designs (Budget: $600K); Avoid high-risk coastal zones; Increase insurance coverage</a:t>
+                        <a:t>Prioritize inland projects (Revenue impact: ¥100,000K); Upgrade to high-efficiency HVAC (Budget: ¥25,000K)</a:t>
                       </a:r>
                     </a:p>
                   </a:txBody>
@@ -2973,7 +3356,7 @@
                           </a:solidFill>
                           <a:latin typeface="Arial"/>
                         </a:rPr>
-                        <a:t>Engineered wood products; Reuse of formwork and falsework</a:t>
+                        <a:t>On-site recycling of demolition waste into aggregates</a:t>
                       </a:r>
                     </a:p>
                   </a:txBody>
@@ -3008,7 +3391,7 @@
                           </a:solidFill>
                           <a:latin typeface="Arial"/>
                         </a:rPr>
-                        <a:t>Cost savings of $2,500K/year from reduced virgin material use; Waste disposal cost reduction of $800K/year</a:t>
+                        <a:t>Water cost savings of ¥12,000K/year; ¥5,000K/year savings in virgin aggregate purchases</a:t>
                       </a:r>
                     </a:p>
                   </a:txBody>
@@ -3043,7 +3426,7 @@
                           </a:solidFill>
                           <a:latin typeface="Arial"/>
                         </a:rPr>
-                        <a:t>Invest in RCA crushing equipment (Budget: $1,200K); Partner with wood product suppliers; Implement take-back scheme for formwork</a:t>
+                        <a:t>Install rainwater tanks and treatment (Budget: ¥20,000K); Mobile waste crusher and sorter (Budget: ¥30,000K)</a:t>
                       </a:r>
                     </a:p>
                   </a:txBody>
@@ -3189,7 +3572,7 @@
                           </a:solidFill>
                           <a:latin typeface="Arial"/>
                         </a:rPr>
-                        <a:t>Power purchase agreements (PPAs) for wind and solar; Electrification of construction equipment</a:t>
+                        <a:t>Transition to green power via onsite solar PV and renewable energy PPA</a:t>
                       </a:r>
                     </a:p>
                   </a:txBody>
@@ -3224,7 +3607,7 @@
                           </a:solidFill>
                           <a:latin typeface="Arial"/>
                         </a:rPr>
-                        <a:t>Energy cost savings of $1,800K/year; Avoid future carbon tax; Reduce Scope 2 emissions by 60%</a:t>
+                        <a:t>Electricity cost reduction of ¥18,000K/year; Carbon tax savings of ¥2,500K/year</a:t>
                       </a:r>
                     </a:p>
                   </a:txBody>
@@ -3259,7 +3642,7 @@
                           </a:solidFill>
                           <a:latin typeface="Arial"/>
                         </a:rPr>
-                        <a:t>Install 2 MW rooftop solar (Budget: $3,000K); Sign 10-year wind/solar PPA; Replace diesel equipment with electric (Budget: $5,000K)</a:t>
+                        <a:t>Install 500 kW rooftop solar system (Budget: ¥100,000K); Sign 10-year wind/solar PPA for 50% of demand</a:t>
                       </a:r>
                     </a:p>
                   </a:txBody>
@@ -3824,7 +4207,7 @@
                           </a:solidFill>
                           <a:latin typeface="Arial"/>
                         </a:rPr>
-                        <a:t>Modular construction solutions</a:t>
+                        <a:t>Green building materials &amp; techniques</a:t>
                       </a:r>
                     </a:p>
                   </a:txBody>
@@ -3859,7 +4242,7 @@
                           </a:solidFill>
                           <a:latin typeface="Arial"/>
                         </a:rPr>
-                        <a:t>Green building material revenue $5,000K; 10% market share in modular construction</a:t>
+                        <a:t>New revenue stream of ¥50,000K; 5% market share in green construction</a:t>
                       </a:r>
                     </a:p>
                   </a:txBody>
@@ -3894,7 +4277,7 @@
                           </a:solidFill>
                           <a:latin typeface="Arial"/>
                         </a:rPr>
-                        <a:t>Concrete R&amp;D with 50% lower emissions (Budget: $1,500K); Modular construction partnerships</a:t>
+                        <a:t>R&amp;D for carbon-sequestering concrete (Budget: ¥10,000K); Sustainable construction training</a:t>
                       </a:r>
                     </a:p>
                   </a:txBody>
@@ -4038,11 +4421,11 @@
                           </a:solidFill>
                           <a:latin typeface="Arial"/>
                         </a:rPr>
-                        <a:t>Entry into LEED certified construction market</a:t>
-                      </a:r>
-                    </a:p>
-                  </a:txBody>
-                  <a:tcPr anchor="ctr">
+                        <a:t/>
+                      </a:r>
+                    </a:p>
+                  </a:txBody>
+                  <a:tcPr anchor="t">
                     <a:lnL w="0">
                       <a:noFill/>
                     </a:lnL>
@@ -4073,11 +4456,11 @@
                           </a:solidFill>
                           <a:latin typeface="Arial"/>
                         </a:rPr>
-                        <a:t>Access to $20,000K green building projects</a:t>
-                      </a:r>
-                    </a:p>
-                  </a:txBody>
-                  <a:tcPr anchor="ctr">
+                        <a:t/>
+                      </a:r>
+                    </a:p>
+                  </a:txBody>
+                  <a:tcPr anchor="t">
                     <a:lnL w="0">
                       <a:noFill/>
                     </a:lnL>
@@ -4108,11 +4491,11 @@
                           </a:solidFill>
                           <a:latin typeface="Arial"/>
                         </a:rPr>
-                        <a:t>LEED training for employees; Sustainable sourcing platform (Budget: $500K)</a:t>
-                      </a:r>
-                    </a:p>
-                  </a:txBody>
-                  <a:tcPr anchor="ctr">
+                        <a:t/>
+                      </a:r>
+                    </a:p>
+                  </a:txBody>
+                  <a:tcPr anchor="t">
                     <a:lnL w="0">
                       <a:noFill/>
                     </a:lnL>
@@ -4674,7 +5057,7 @@
                           </a:solidFill>
                           <a:latin typeface="Arial"/>
                         </a:rPr>
-                        <a:t>Measure &amp; set Scope 3 SBT by 2025</a:t>
+                        <a:t>Reduce Scope 1&amp;2 by 40% by 2030 (Base year 2022)</a:t>
                       </a:r>
                     </a:p>
                   </a:txBody>
@@ -4709,7 +5092,7 @@
                           </a:solidFill>
                           <a:latin typeface="Arial"/>
                         </a:rPr>
-                        <a:t>Achieved -5% Scope 1&amp;2; Started Scope 3 screening</a:t>
+                        <a:t>Scope 1: 25.4 tCO2e; Scope 2: 254.02 tCO2e; Total: 279.42 tCO2e</a:t>
                       </a:r>
                     </a:p>
                   </a:txBody>
@@ -4744,7 +5127,7 @@
                           </a:solidFill>
                           <a:latin typeface="Arial"/>
                         </a:rPr>
-                        <a:t>Accelerate fleet electrification; Low-carbon concrete (fly ash, CCS); Engage suppliers &amp; mandate disclosure</a:t>
+                        <a:t>Electrify construction equipment; Procure renewable electricity; Improve energy efficiency of offices &amp; sites (Budget: ¥50,000K)</a:t>
                       </a:r>
                     </a:p>
                   </a:txBody>
@@ -4890,7 +5273,7 @@
                           </a:solidFill>
                           <a:latin typeface="Arial"/>
                         </a:rPr>
-                        <a:t>Achieve 80% construction waste diversion rate by 2026</a:t>
+                        <a:t>Achieve 95% Construction Waste Recycling Rate by 2028</a:t>
                       </a:r>
                     </a:p>
                   </a:txBody>
@@ -4925,7 +5308,7 @@
                           </a:solidFill>
                           <a:latin typeface="Arial"/>
                         </a:rPr>
-                        <a:t>Current rate 65%; waste intensity reduced 10%</a:t>
+                        <a:t>Current rate 80%; Waste intensity decreased 3% YoY</a:t>
                       </a:r>
                     </a:p>
                   </a:txBody>
@@ -4960,7 +5343,7 @@
                           </a:solidFill>
                           <a:latin typeface="Arial"/>
                         </a:rPr>
-                        <a:t>Partner with recycling firms for closed-loop; Modular &amp; prefab construction to cut waste; Train crews on waste segregation</a:t>
+                        <a:t>Partner with waste mgmt vendors; Modular &amp; prefab construction; Train workers on waste sorting (Budget: ¥25,000K)</a:t>
                       </a:r>
                     </a:p>
                   </a:txBody>
@@ -5526,7 +5909,7 @@
                           </a:solidFill>
                           <a:latin typeface="Arial"/>
                         </a:rPr>
-                        <a:t>LEED Green Building Certification</a:t>
+                        <a:t>LEED v4 Building Certification</a:t>
                       </a:r>
                     </a:p>
                   </a:txBody>
@@ -5561,7 +5944,7 @@
                           </a:solidFill>
                           <a:latin typeface="Arial"/>
                         </a:rPr>
-                        <a:t>Govt. regulation on embodied carbon disclosure; Lack of LCA data</a:t>
+                        <a:t>Client expectation for Green Building; Current gap in carbon tracking</a:t>
                       </a:r>
                     </a:p>
                   </a:txBody>
@@ -5596,7 +5979,7 @@
                           </a:solidFill>
                           <a:latin typeface="Arial"/>
                         </a:rPr>
-                        <a:t>Conduct LCA for key materials (Budget: $200K); Implement EPD system (Budget: $500K)</a:t>
+                        <a:t>Implement ESG Data Management System (Budget: ¥10,000K); Upskill project managers on LEED v4 (Budget: ¥5,000K)</a:t>
                       </a:r>
                     </a:p>
                   </a:txBody>
@@ -6377,7 +6760,7 @@
                           </a:solidFill>
                           <a:latin typeface="Arial"/>
                         </a:rPr>
-                        <a:t>Occupational Health &amp; Safety Team</a:t>
+                        <a:t>Construction Safety Task Force</a:t>
                       </a:r>
                     </a:p>
                   </a:txBody>
@@ -6412,7 +6795,7 @@
                           </a:solidFill>
                           <a:latin typeface="Arial"/>
                         </a:rPr>
-                        <a:t>Shortage of skilled workers for green building techniques; Increased injury risk from new materials &amp; methods</a:t>
+                        <a:t>Shortage of skilled labor for new green building techniques; Fall &amp; heat stress risk</a:t>
                       </a:r>
                     </a:p>
                   </a:txBody>
@@ -6447,7 +6830,7 @@
                           </a:solidFill>
                           <a:latin typeface="Arial"/>
                         </a:rPr>
-                        <a:t>Establish Green Construction Training Program (Budget: $1,500K); Implement AI-powered safety monitoring system; Partner with trade schools on apprenticeships</a:t>
+                        <a:t>Partner with trade schools for apprenticeship program (Budget: ¥15,000K); Implement wearable tech for real-time safety monitoring</a:t>
                       </a:r>
                     </a:p>
                   </a:txBody>
@@ -6592,7 +6975,7 @@
                           </a:solidFill>
                           <a:latin typeface="Arial"/>
                         </a:rPr>
-                        <a:t>Water &amp; Power Resilience Task Force</a:t>
+                        <a:t>Water &amp; Energy Resilience Team</a:t>
                       </a:r>
                     </a:p>
                   </a:txBody>
@@ -6627,7 +7010,7 @@
                           </a:solidFill>
                           <a:latin typeface="Arial"/>
                         </a:rPr>
-                        <a:t>Disruptions to water &amp; electricity supply during extreme weather events; Project delays &amp; cost overruns</a:t>
+                        <a:t>Disruption to water supply during extreme weather events; Power outages impacting project timelines</a:t>
                       </a:r>
                     </a:p>
                   </a:txBody>
@@ -6662,7 +7045,7 @@
                           </a:solidFill>
                           <a:latin typeface="Arial"/>
                         </a:rPr>
-                        <a:t>Invest in on-site water recycling &amp; storage infrastructure (Budget: $3,000K); Install backup renewable power generation; Collaborate with utilities on grid hardening &amp; demand response</a:t>
+                        <a:t>Invest in onsite water storage and treatment (Budget: ¥30,000K); Install backup renewable power systems at key sites</a:t>
                       </a:r>
                     </a:p>
                   </a:txBody>

--- a/shared/engine/tcfd/output/TCFD_table.pptx
+++ b/shared/engine/tcfd/output/TCFD_table.pptx
@@ -1288,7 +1288,7 @@
                           </a:solidFill>
                           <a:latin typeface="Arial"/>
                         </a:rPr>
-                        <a:t>Mandatory emission reduction of 5% annually from 2024 baseline</a:t>
+                        <a:t>Emission caps for healthcare sector</a:t>
                       </a:r>
                     </a:p>
                   </a:txBody>
@@ -1323,7 +1323,7 @@
                           </a:solidFill>
                           <a:latin typeface="Arial"/>
                         </a:rPr>
-                        <a:t>Operating cost increase by 13,971K JPY in 2025, up to 30,456K JPY in 2030; Gross margin impact -0.9% to -1.9%</a:t>
+                        <a:t>Operating cost increase by $16.5K; Net profit margin impact -0.16%</a:t>
                       </a:r>
                     </a:p>
                   </a:txBody>
@@ -1358,7 +1358,7 @@
                           </a:solidFill>
                           <a:latin typeface="Arial"/>
                         </a:rPr>
-                        <a:t>Implement internal carbon shadow price of 8000 JPY/tCO2e (Budget: 5,000K JPY); Switch to 50% renewable electricity by 2028 (Budget: 25,000K JPY)</a:t>
+                        <a:t>Implement energy efficiency projects to reduce Scope 2 emissions by 15% (Budget: $50K); Evaluate renewable energy PPAs</a:t>
                       </a:r>
                     </a:p>
                   </a:txBody>
@@ -1489,7 +1489,7 @@
                           </a:solidFill>
                           <a:latin typeface="Arial"/>
                         </a:rPr>
-                        <a:t>Competitors adopting mass timber &amp; green concrete</a:t>
+                        <a:t>Competition investing in on-site solar PV and EVs</a:t>
                       </a:r>
                     </a:p>
                   </a:txBody>
@@ -1524,7 +1524,7 @@
                           </a:solidFill>
                           <a:latin typeface="Arial"/>
                         </a:rPr>
-                        <a:t>Potential revenue loss of 319,680K JPY (20%) from top 5 clients</a:t>
+                        <a:t>Potential revenue loss of $500K from sustainability-focused clients</a:t>
                       </a:r>
                     </a:p>
                   </a:txBody>
@@ -1559,7 +1559,7 @@
                           </a:solidFill>
                           <a:latin typeface="Arial"/>
                         </a:rPr>
-                        <a:t>Invest 95,904K JPY (6% of revenue) in low-carbon construction material R&amp;D; Commit to SBTi 1.5°C target &amp; net-zero by 2050</a:t>
+                        <a:t>Conduct client engagement on decarbonization plans (Budget: $30K); Develop net-zero roadmap and set SBTi targets (Budget: $75K)</a:t>
                       </a:r>
                     </a:p>
                   </a:txBody>
@@ -2507,7 +2507,7 @@
                           </a:solidFill>
                           <a:latin typeface="Arial"/>
                         </a:rPr>
-                        <a:t>Heatwaves impacting worker health &amp; productivity</a:t>
+                        <a:t>Heavy rainfall and flooding disrupting operations in coastal locations</a:t>
                       </a:r>
                     </a:p>
                   </a:txBody>
@@ -2542,7 +2542,7 @@
                           </a:solidFill>
                           <a:latin typeface="Arial"/>
                         </a:rPr>
-                        <a:t>Asset repair cost est. ¥50,000K; 10% productivity loss equiv. to ¥20,000K</a:t>
+                        <a:t>Asset repair cost est. $450K; Temporary clinic closures leading to $1,200K revenue loss</a:t>
                       </a:r>
                     </a:p>
                   </a:txBody>
@@ -2577,7 +2577,7 @@
                           </a:solidFill>
                           <a:latin typeface="Arial"/>
                         </a:rPr>
-                        <a:t>Invest in flood defenses (Budget: ¥15,000K); Implement heat stress mgmt. program (Budget: ¥5,000K)</a:t>
+                        <a:t>Upgrade HVAC systems to handle higher peak temps (Budget: $600K); Develop flood response and business continuity plans; Invest in flood-proofing measures for high-risk clinics (Budget: $250K)</a:t>
                       </a:r>
                     </a:p>
                   </a:txBody>
@@ -2721,7 +2721,7 @@
                           </a:solidFill>
                           <a:latin typeface="Arial"/>
                         </a:rPr>
-                        <a:t>Increased AC demand from higher temps</a:t>
+                        <a:t>Rising sea levels increasing risk of permanent flooding damage to coastal clinics</a:t>
                       </a:r>
                     </a:p>
                   </a:txBody>
@@ -2756,7 +2756,7 @@
                           </a:solidFill>
                           <a:latin typeface="Arial"/>
                         </a:rPr>
-                        <a:t>Project delays cost ¥30,000K; Electricity cost increase ¥10,000K/year</a:t>
+                        <a:t>Electricity cooling cost increase $180K/year; Potential permanent loss of clinic infrastructure valued at $3,500K</a:t>
                       </a:r>
                     </a:p>
                   </a:txBody>
@@ -2791,7 +2791,7 @@
                           </a:solidFill>
                           <a:latin typeface="Arial"/>
                         </a:rPr>
-                        <a:t>Prioritize inland projects (Revenue impact: ¥100,000K); Upgrade to high-efficiency HVAC (Budget: ¥25,000K)</a:t>
+                        <a:t>Conduct energy audits and retrofits to improve efficiency (Budget: $400K); Develop long-term plans to relocate at-risk coastal clinics; Invest in on-site renewable energy to reduce reliance on grid power (Budget: $1,200K)</a:t>
                       </a:r>
                     </a:p>
                   </a:txBody>
@@ -3356,7 +3356,7 @@
                           </a:solidFill>
                           <a:latin typeface="Arial"/>
                         </a:rPr>
-                        <a:t>On-site recycling of demolition waste into aggregates</a:t>
+                        <a:t>Implement medical waste recycling program; Reduce disposable medical supplies usage</a:t>
                       </a:r>
                     </a:p>
                   </a:txBody>
@@ -3391,7 +3391,7 @@
                           </a:solidFill>
                           <a:latin typeface="Arial"/>
                         </a:rPr>
-                        <a:t>Water cost savings of ¥12,000K/year; ¥5,000K/year savings in virgin aggregate purchases</a:t>
+                        <a:t>Water and waste disposal cost savings of $85K/year; Reduced medical supply expenses of $250K/year</a:t>
                       </a:r>
                     </a:p>
                   </a:txBody>
@@ -3426,7 +3426,7 @@
                           </a:solidFill>
                           <a:latin typeface="Arial"/>
                         </a:rPr>
-                        <a:t>Install rainwater tanks and treatment (Budget: ¥20,000K); Mobile waste crusher and sorter (Budget: ¥30,000K)</a:t>
+                        <a:t>Install water-efficient faucets and toilets (Budget: $120K); Partner with waste recycler (Cost: $50K/year); Educate staff on reusable alternatives</a:t>
                       </a:r>
                     </a:p>
                   </a:txBody>
@@ -3572,7 +3572,7 @@
                           </a:solidFill>
                           <a:latin typeface="Arial"/>
                         </a:rPr>
-                        <a:t>Transition to green power via onsite solar PV and renewable energy PPA</a:t>
+                        <a:t>Procure renewable energy through utility green power program</a:t>
                       </a:r>
                     </a:p>
                   </a:txBody>
@@ -3607,7 +3607,7 @@
                           </a:solidFill>
                           <a:latin typeface="Arial"/>
                         </a:rPr>
-                        <a:t>Electricity cost reduction of ¥18,000K/year; Carbon tax savings of ¥2,500K/year</a:t>
+                        <a:t>Electricity cost savings of $75K/year; Avoided carbon tax of $10K/year</a:t>
                       </a:r>
                     </a:p>
                   </a:txBody>
@@ -3642,7 +3642,7 @@
                           </a:solidFill>
                           <a:latin typeface="Arial"/>
                         </a:rPr>
-                        <a:t>Install 500 kW rooftop solar system (Budget: ¥100,000K); Sign 10-year wind/solar PPA for 50% of demand</a:t>
+                        <a:t>500 kW solar PV system (Budget: $1,000K); Subscribe to 100% wind power plan (Added cost: $20K/year)</a:t>
                       </a:r>
                     </a:p>
                   </a:txBody>
@@ -4207,7 +4207,7 @@
                           </a:solidFill>
                           <a:latin typeface="Arial"/>
                         </a:rPr>
-                        <a:t>Green building materials &amp; techniques</a:t>
+                        <a:t>Transition to paperless &amp; digital processes</a:t>
                       </a:r>
                     </a:p>
                   </a:txBody>
@@ -4242,7 +4242,7 @@
                           </a:solidFill>
                           <a:latin typeface="Arial"/>
                         </a:rPr>
-                        <a:t>New revenue stream of ¥50,000K; 5% market share in green construction</a:t>
+                        <a:t>New revenue stream of $2,500K; Efficiency gains of $500K</a:t>
                       </a:r>
                     </a:p>
                   </a:txBody>
@@ -4277,7 +4277,7 @@
                           </a:solidFill>
                           <a:latin typeface="Arial"/>
                         </a:rPr>
-                        <a:t>R&amp;D for carbon-sequestering concrete (Budget: ¥10,000K); Sustainable construction training</a:t>
+                        <a:t>IT infrastructure upgrade (Budget: $1,000K); Staff training &amp; change management</a:t>
                       </a:r>
                     </a:p>
                   </a:txBody>
@@ -4421,11 +4421,11 @@
                           </a:solidFill>
                           <a:latin typeface="Arial"/>
                         </a:rPr>
-                        <a:t/>
-                      </a:r>
-                    </a:p>
-                  </a:txBody>
-                  <a:tcPr anchor="t">
+                        <a:t>Preferred provider status with insurers focused on preventive care</a:t>
+                      </a:r>
+                    </a:p>
+                  </a:txBody>
+                  <a:tcPr anchor="ctr">
                     <a:lnL w="0">
                       <a:noFill/>
                     </a:lnL>
@@ -4456,11 +4456,11 @@
                           </a:solidFill>
                           <a:latin typeface="Arial"/>
                         </a:rPr>
-                        <a:t/>
-                      </a:r>
-                    </a:p>
-                  </a:txBody>
-                  <a:tcPr anchor="t">
+                        <a:t>Retention of key accounts ($5,000K value)</a:t>
+                      </a:r>
+                    </a:p>
+                  </a:txBody>
+                  <a:tcPr anchor="ctr">
                     <a:lnL w="0">
                       <a:noFill/>
                     </a:lnL>
@@ -4491,11 +4491,11 @@
                           </a:solidFill>
                           <a:latin typeface="Arial"/>
                         </a:rPr>
-                        <a:t/>
-                      </a:r>
-                    </a:p>
-                  </a:txBody>
-                  <a:tcPr anchor="t">
+                        <a:t>Achieve top quartile quality metrics; Implement population health analytics (Budget: $800K)</a:t>
+                      </a:r>
+                    </a:p>
+                  </a:txBody>
+                  <a:tcPr anchor="ctr">
                     <a:lnL w="0">
                       <a:noFill/>
                     </a:lnL>
@@ -5092,7 +5092,7 @@
                           </a:solidFill>
                           <a:latin typeface="Arial"/>
                         </a:rPr>
-                        <a:t>Scope 1: 25.4 tCO2e; Scope 2: 254.02 tCO2e; Total: 279.42 tCO2e</a:t>
+                        <a:t>Achieved -5% reduction; Scope 3 not yet measured</a:t>
                       </a:r>
                     </a:p>
                   </a:txBody>
@@ -5127,7 +5127,7 @@
                           </a:solidFill>
                           <a:latin typeface="Arial"/>
                         </a:rPr>
-                        <a:t>Electrify construction equipment; Procure renewable electricity; Improve energy efficiency of offices &amp; sites (Budget: ¥50,000K)</a:t>
+                        <a:t>Retrofit buildings for energy efficiency; Transition to renewable electricity (Budget: $500K)</a:t>
                       </a:r>
                     </a:p>
                   </a:txBody>
@@ -5273,7 +5273,7 @@
                           </a:solidFill>
                           <a:latin typeface="Arial"/>
                         </a:rPr>
-                        <a:t>Achieve 95% Construction Waste Recycling Rate by 2028</a:t>
+                        <a:t>Achieve 80% Waste Diversion Rate by 2028</a:t>
                       </a:r>
                     </a:p>
                   </a:txBody>
@@ -5308,7 +5308,7 @@
                           </a:solidFill>
                           <a:latin typeface="Arial"/>
                         </a:rPr>
-                        <a:t>Current rate 80%; Waste intensity decreased 3% YoY</a:t>
+                        <a:t>Current rate 60%; Waste per patient visit decreased 10%</a:t>
                       </a:r>
                     </a:p>
                   </a:txBody>
@@ -5343,7 +5343,7 @@
                           </a:solidFill>
                           <a:latin typeface="Arial"/>
                         </a:rPr>
-                        <a:t>Partner with waste mgmt vendors; Modular &amp; prefab construction; Train workers on waste sorting (Budget: ¥25,000K)</a:t>
+                        <a:t>Implement reusable medical supplies; Partner with waste-to-energy facility (Budget: $250K)</a:t>
                       </a:r>
                     </a:p>
                   </a:txBody>
@@ -5909,7 +5909,7 @@
                           </a:solidFill>
                           <a:latin typeface="Arial"/>
                         </a:rPr>
-                        <a:t>LEED v4 Building Certification</a:t>
+                        <a:t>OSHA Compliance</a:t>
                       </a:r>
                     </a:p>
                   </a:txBody>
@@ -5944,7 +5944,7 @@
                           </a:solidFill>
                           <a:latin typeface="Arial"/>
                         </a:rPr>
-                        <a:t>Client expectation for Green Building; Current gap in carbon tracking</a:t>
+                        <a:t>Key clients require ISO 14001; Current gap in waste management</a:t>
                       </a:r>
                     </a:p>
                   </a:txBody>
@@ -5979,7 +5979,7 @@
                           </a:solidFill>
                           <a:latin typeface="Arial"/>
                         </a:rPr>
-                        <a:t>Implement ESG Data Management System (Budget: ¥10,000K); Upskill project managers on LEED v4 (Budget: ¥5,000K)</a:t>
+                        <a:t>Conduct EMS gap assessment (Budget: $10K); Implement medical waste recycling program (Budget: $50K)</a:t>
                       </a:r>
                     </a:p>
                   </a:txBody>
@@ -6124,11 +6124,11 @@
                           </a:solidFill>
                           <a:latin typeface="Arial"/>
                         </a:rPr>
-                        <a:t/>
-                      </a:r>
-                    </a:p>
-                  </a:txBody>
-                  <a:tcPr anchor="t">
+                        <a:t>Supplier Code of Conduct covering ESG metrics</a:t>
+                      </a:r>
+                    </a:p>
+                  </a:txBody>
+                  <a:tcPr anchor="ctr">
                     <a:lnL w="0">
                       <a:noFill/>
                     </a:lnL>
@@ -6159,11 +6159,11 @@
                           </a:solidFill>
                           <a:latin typeface="Arial"/>
                         </a:rPr>
-                        <a:t/>
-                      </a:r>
-                    </a:p>
-                  </a:txBody>
-                  <a:tcPr anchor="t">
+                        <a:t>Lack of visibility into Scope 3 emissions; Need to assess ESG risks</a:t>
+                      </a:r>
+                    </a:p>
+                  </a:txBody>
+                  <a:tcPr anchor="ctr">
                     <a:lnL w="0">
                       <a:noFill/>
                     </a:lnL>
@@ -6194,11 +6194,11 @@
                           </a:solidFill>
                           <a:latin typeface="Arial"/>
                         </a:rPr>
-                        <a:t/>
-                      </a:r>
-                    </a:p>
-                  </a:txBody>
-                  <a:tcPr anchor="t">
+                        <a:t>Roll out Supplier ESG survey &amp; audits (Budget: $25K); Develop preferred supplier program based on ESG performance</a:t>
+                      </a:r>
+                    </a:p>
+                  </a:txBody>
+                  <a:tcPr anchor="ctr">
                     <a:lnL w="0">
                       <a:noFill/>
                     </a:lnL>
@@ -6760,7 +6760,7 @@
                           </a:solidFill>
                           <a:latin typeface="Arial"/>
                         </a:rPr>
-                        <a:t>Construction Safety Task Force</a:t>
+                        <a:t>Clinic Staff Resilience Team</a:t>
                       </a:r>
                     </a:p>
                   </a:txBody>
@@ -6795,7 +6795,7 @@
                           </a:solidFill>
                           <a:latin typeface="Arial"/>
                         </a:rPr>
-                        <a:t>Shortage of skilled labor for new green building techniques; Fall &amp; heat stress risk</a:t>
+                        <a:t>Skill gap in infectious disease protocols; Burnout and attrition risk</a:t>
                       </a:r>
                     </a:p>
                   </a:txBody>
@@ -6830,7 +6830,7 @@
                           </a:solidFill>
                           <a:latin typeface="Arial"/>
                         </a:rPr>
-                        <a:t>Partner with trade schools for apprenticeship program (Budget: ¥15,000K); Implement wearable tech for real-time safety monitoring</a:t>
+                        <a:t>Establish Pandemic Preparedness Training (Budget: $1,200K); Mental health support benefits</a:t>
                       </a:r>
                     </a:p>
                   </a:txBody>
@@ -6975,7 +6975,7 @@
                           </a:solidFill>
                           <a:latin typeface="Arial"/>
                         </a:rPr>
-                        <a:t>Water &amp; Energy Resilience Team</a:t>
+                        <a:t>Water &amp; Power Resilience Team</a:t>
                       </a:r>
                     </a:p>
                   </a:txBody>
@@ -7010,7 +7010,7 @@
                           </a:solidFill>
                           <a:latin typeface="Arial"/>
                         </a:rPr>
-                        <a:t>Disruption to water supply during extreme weather events; Power outages impacting project timelines</a:t>
+                        <a:t>Aging local utility infrastructure; Outage risks for critical equipment</a:t>
                       </a:r>
                     </a:p>
                   </a:txBody>
@@ -7045,7 +7045,7 @@
                           </a:solidFill>
                           <a:latin typeface="Arial"/>
                         </a:rPr>
-                        <a:t>Invest in onsite water storage and treatment (Budget: ¥30,000K); Install backup renewable power systems at key sites</a:t>
+                        <a:t>Onsite water storage and treatment (Budget: $850K); Backup generator capacity</a:t>
                       </a:r>
                     </a:p>
                   </a:txBody>

--- a/shared/engine/tcfd/output/TCFD_table.pptx
+++ b/shared/engine/tcfd/output/TCFD_table.pptx
@@ -777,8 +777,8 @@
           <p:nvPr/>
         </p:nvGraphicFramePr>
         <p:xfrm>
-          <a:off x="457200" y="731520"/>
-          <a:ext cx="9692640" cy="5303520"/>
+          <a:off x="457200" y="914400"/>
+          <a:ext cx="9692640" cy="4114800"/>
         </p:xfrm>
         <a:graphic>
           <a:graphicData uri="http://schemas.openxmlformats.org/drawingml/2006/table">
@@ -794,7 +794,7 @@
                 <a:gridCol w="2468880"/>
                 <a:gridCol w="1920240"/>
               </a:tblGrid>
-              <a:tr h="883920">
+              <a:tr h="1028700">
                 <a:tc gridSpan="3">
                   <a:txBody>
                     <a:bodyPr/>
@@ -950,7 +950,7 @@
                   </a:tcPr>
                 </a:tc>
               </a:tr>
-              <a:tr h="883920">
+              <a:tr h="1028700">
                 <a:tc>
                   <a:txBody>
                     <a:bodyPr/>
@@ -1165,7 +1165,7 @@
                   </a:tcPr>
                 </a:tc>
               </a:tr>
-              <a:tr h="883920">
+              <a:tr h="1028700">
                 <a:tc rowSpan="2">
                   <a:txBody>
                     <a:bodyPr/>
@@ -1288,7 +1288,7 @@
                           </a:solidFill>
                           <a:latin typeface="Arial"/>
                         </a:rPr>
-                        <a:t>Emission caps for healthcare sector</a:t>
+                        <a:t>Stricter hospital emission regulations</a:t>
                       </a:r>
                     </a:p>
                   </a:txBody>
@@ -1323,7 +1323,7 @@
                           </a:solidFill>
                           <a:latin typeface="Arial"/>
                         </a:rPr>
-                        <a:t>Operating cost increase by $16.5K; Net profit margin impact -0.16%</a:t>
+                        <a:t>Operating cost increase by 50,000K JPY; Gross margin impact -3.1%</a:t>
                       </a:r>
                     </a:p>
                   </a:txBody>
@@ -1358,7 +1358,7 @@
                           </a:solidFill>
                           <a:latin typeface="Arial"/>
                         </a:rPr>
-                        <a:t>Implement energy efficiency projects to reduce Scope 2 emissions by 15% (Budget: $50K); Evaluate renewable energy PPAs</a:t>
+                        <a:t>Implement internal carbon pricing (Budget: 8,000K JPY); Accelerate renewable energy procurement; Upgrade to energy-efficient medical equipment</a:t>
                       </a:r>
                     </a:p>
                   </a:txBody>
@@ -1381,7 +1381,7 @@
                   </a:tcPr>
                 </a:tc>
               </a:tr>
-              <a:tr h="883920">
+              <a:tr h="1028700">
                 <a:tc vMerge="1">
                   <a:txBody>
                     <a:bodyPr/>
@@ -1489,7 +1489,7 @@
                           </a:solidFill>
                           <a:latin typeface="Arial"/>
                         </a:rPr>
-                        <a:t>Competition investing in on-site solar PV and EVs</a:t>
+                        <a:t>Competitor adoption of green hospital tech</a:t>
                       </a:r>
                     </a:p>
                   </a:txBody>
@@ -1524,7 +1524,7 @@
                           </a:solidFill>
                           <a:latin typeface="Arial"/>
                         </a:rPr>
-                        <a:t>Potential revenue loss of $500K from sustainability-focused clients</a:t>
+                        <a:t>Potential revenue loss of 150,000K JPY from key payers</a:t>
                       </a:r>
                     </a:p>
                   </a:txBody>
@@ -1559,394 +1559,11 @@
                           </a:solidFill>
                           <a:latin typeface="Arial"/>
                         </a:rPr>
-                        <a:t>Conduct client engagement on decarbonization plans (Budget: $30K); Develop net-zero roadmap and set SBTi targets (Budget: $75K)</a:t>
-                      </a:r>
-                    </a:p>
-                  </a:txBody>
-                  <a:tcPr anchor="ctr">
-                    <a:lnL w="0">
-                      <a:noFill/>
-                    </a:lnL>
-                    <a:lnR w="0">
-                      <a:noFill/>
-                    </a:lnR>
-                    <a:lnT w="0">
-                      <a:noFill/>
-                    </a:lnT>
-                    <a:lnB w="0">
-                      <a:noFill/>
-                    </a:lnB>
-                    <a:solidFill>
-                      <a:srgbClr val="F7F7F7"/>
-                    </a:solidFill>
-                  </a:tcPr>
-                </a:tc>
-              </a:tr>
-              <a:tr h="883920">
-                <a:tc rowSpan="2">
-                  <a:txBody>
-                    <a:bodyPr/>
-                    <a:lstStyle/>
-                    <a:p>
-                      <a:pPr algn="ctr"/>
-                      <a:r>
-                        <a:rPr sz="900" b="1">
-                          <a:solidFill>
-                            <a:srgbClr val="333333"/>
-                          </a:solidFill>
-                          <a:latin typeface="Arial"/>
-                        </a:rPr>
-                        <a:t>Transformation
-Risk</a:t>
-                      </a:r>
-                    </a:p>
-                  </a:txBody>
-                  <a:tcPr anchor="ctr">
-                    <a:lnL w="0">
-                      <a:noFill/>
-                    </a:lnL>
-                    <a:lnR w="0">
-                      <a:noFill/>
-                    </a:lnR>
-                    <a:lnT w="0">
-                      <a:noFill/>
-                    </a:lnT>
-                    <a:lnB w="0">
-                      <a:noFill/>
-                    </a:lnB>
-                    <a:solidFill>
-                      <a:srgbClr val="FFFFFF"/>
-                    </a:solidFill>
-                  </a:tcPr>
-                </a:tc>
-                <a:tc>
-                  <a:txBody>
-                    <a:bodyPr/>
-                    <a:lstStyle/>
-                    <a:p>
-                      <a:pPr algn="ctr"/>
-                      <a:r>
-                        <a:rPr sz="900" b="0">
-                          <a:solidFill>
-                            <a:srgbClr val="333333"/>
-                          </a:solidFill>
-                          <a:latin typeface="Arial"/>
-                        </a:rPr>
-                        <a:t>Market
-Disruption</a:t>
-                      </a:r>
-                    </a:p>
-                  </a:txBody>
-                  <a:tcPr anchor="ctr">
-                    <a:lnL w="0">
-                      <a:noFill/>
-                    </a:lnL>
-                    <a:lnR w="0">
-                      <a:noFill/>
-                    </a:lnR>
-                    <a:lnT w="0">
-                      <a:noFill/>
-                    </a:lnT>
-                    <a:lnB w="0">
-                      <a:noFill/>
-                    </a:lnB>
-                    <a:solidFill>
-                      <a:srgbClr val="FFFFFF"/>
-                    </a:solidFill>
-                  </a:tcPr>
-                </a:tc>
-                <a:tc>
-                  <a:txBody>
-                    <a:bodyPr/>
-                    <a:lstStyle/>
-                    <a:p>
-                      <a:pPr algn="ctr"/>
-                      <a:r>
-                        <a:rPr sz="900" b="0">
-                          <a:solidFill>
-                            <a:srgbClr val="333333"/>
-                          </a:solidFill>
-                          <a:latin typeface="Arial"/>
-                        </a:rPr>
-                        <a:t>Medium-term</a:t>
-                      </a:r>
-                    </a:p>
-                  </a:txBody>
-                  <a:tcPr anchor="ctr">
-                    <a:lnL w="0">
-                      <a:noFill/>
-                    </a:lnL>
-                    <a:lnR w="0">
-                      <a:noFill/>
-                    </a:lnR>
-                    <a:lnT w="0">
-                      <a:noFill/>
-                    </a:lnT>
-                    <a:lnB w="0">
-                      <a:noFill/>
-                    </a:lnB>
-                    <a:solidFill>
-                      <a:srgbClr val="FFFFFF"/>
-                    </a:solidFill>
-                  </a:tcPr>
-                </a:tc>
-                <a:tc>
-                  <a:txBody>
-                    <a:bodyPr/>
-                    <a:lstStyle/>
-                    <a:p/>
-                  </a:txBody>
-                  <a:tcPr>
-                    <a:lnL w="0">
-                      <a:noFill/>
-                    </a:lnL>
-                    <a:lnR w="0">
-                      <a:noFill/>
-                    </a:lnR>
-                    <a:lnT w="0">
-                      <a:noFill/>
-                    </a:lnT>
-                    <a:lnB w="0">
-                      <a:noFill/>
-                    </a:lnB>
-                    <a:solidFill>
-                      <a:srgbClr val="FFFFFF"/>
-                    </a:solidFill>
-                  </a:tcPr>
-                </a:tc>
-                <a:tc>
-                  <a:txBody>
-                    <a:bodyPr/>
-                    <a:lstStyle/>
-                    <a:p/>
-                  </a:txBody>
-                  <a:tcPr>
-                    <a:lnL w="0">
-                      <a:noFill/>
-                    </a:lnL>
-                    <a:lnR w="0">
-                      <a:noFill/>
-                    </a:lnR>
-                    <a:lnT w="0">
-                      <a:noFill/>
-                    </a:lnT>
-                    <a:lnB w="0">
-                      <a:noFill/>
-                    </a:lnB>
-                    <a:solidFill>
-                      <a:srgbClr val="FFFFFF"/>
-                    </a:solidFill>
-                  </a:tcPr>
-                </a:tc>
-                <a:tc>
-                  <a:txBody>
-                    <a:bodyPr/>
-                    <a:lstStyle/>
-                    <a:p/>
-                  </a:txBody>
-                  <a:tcPr>
-                    <a:lnL w="0">
-                      <a:noFill/>
-                    </a:lnL>
-                    <a:lnR w="0">
-                      <a:noFill/>
-                    </a:lnR>
-                    <a:lnT w="0">
-                      <a:noFill/>
-                    </a:lnT>
-                    <a:lnB w="0">
-                      <a:noFill/>
-                    </a:lnB>
-                    <a:solidFill>
-                      <a:srgbClr val="FFFFFF"/>
-                    </a:solidFill>
-                  </a:tcPr>
-                </a:tc>
-              </a:tr>
-              <a:tr h="883920">
-                <a:tc vMerge="1">
-                  <a:txBody>
-                    <a:bodyPr/>
-                    <a:lstStyle/>
-                    <a:p/>
-                  </a:txBody>
-                  <a:tcPr>
-                    <a:lnL w="0">
-                      <a:noFill/>
-                    </a:lnL>
-                    <a:lnR w="0">
-                      <a:noFill/>
-                    </a:lnR>
-                    <a:lnT w="0">
-                      <a:noFill/>
-                    </a:lnT>
-                    <a:lnB w="0">
-                      <a:noFill/>
-                    </a:lnB>
-                    <a:solidFill>
-                      <a:srgbClr val="F7F7F7"/>
-                    </a:solidFill>
-                  </a:tcPr>
-                </a:tc>
-                <a:tc>
-                  <a:txBody>
-                    <a:bodyPr/>
-                    <a:lstStyle/>
-                    <a:p>
-                      <a:pPr algn="ctr"/>
-                      <a:r>
-                        <a:rPr sz="900" b="0">
-                          <a:solidFill>
-                            <a:srgbClr val="333333"/>
-                          </a:solidFill>
-                          <a:latin typeface="Arial"/>
-                        </a:rPr>
-                        <a:t>Reputation
-Risk</a:t>
-                      </a:r>
-                    </a:p>
-                  </a:txBody>
-                  <a:tcPr anchor="ctr">
-                    <a:lnL w="0">
-                      <a:noFill/>
-                    </a:lnL>
-                    <a:lnR w="0">
-                      <a:noFill/>
-                    </a:lnR>
-                    <a:lnT w="0">
-                      <a:noFill/>
-                    </a:lnT>
-                    <a:lnB w="0">
-                      <a:noFill/>
-                    </a:lnB>
-                    <a:solidFill>
-                      <a:srgbClr val="F7F7F7"/>
-                    </a:solidFill>
-                  </a:tcPr>
-                </a:tc>
-                <a:tc>
-                  <a:txBody>
-                    <a:bodyPr/>
-                    <a:lstStyle/>
-                    <a:p>
-                      <a:pPr algn="ctr"/>
-                      <a:r>
-                        <a:rPr sz="900" b="0">
-                          <a:solidFill>
-                            <a:srgbClr val="333333"/>
-                          </a:solidFill>
-                          <a:latin typeface="Arial"/>
-                        </a:rPr>
-                        <a:t>Long-term</a:t>
-                      </a:r>
-                    </a:p>
-                  </a:txBody>
-                  <a:tcPr anchor="ctr">
-                    <a:lnL w="0">
-                      <a:noFill/>
-                    </a:lnL>
-                    <a:lnR w="0">
-                      <a:noFill/>
-                    </a:lnR>
-                    <a:lnT w="0">
-                      <a:noFill/>
-                    </a:lnT>
-                    <a:lnB w="0">
-                      <a:noFill/>
-                    </a:lnB>
-                    <a:solidFill>
-                      <a:srgbClr val="F7F7F7"/>
-                    </a:solidFill>
-                  </a:tcPr>
-                </a:tc>
-                <a:tc>
-                  <a:txBody>
-                    <a:bodyPr/>
-                    <a:lstStyle/>
-                    <a:p>
-                      <a:pPr algn="ctr"/>
-                      <a:r>
-                        <a:rPr sz="900" b="0">
-                          <a:solidFill>
-                            <a:srgbClr val="000000"/>
-                          </a:solidFill>
-                          <a:latin typeface="Arial"/>
-                        </a:rPr>
-                        <a:t/>
-                      </a:r>
-                    </a:p>
-                  </a:txBody>
-                  <a:tcPr anchor="t">
-                    <a:lnL w="0">
-                      <a:noFill/>
-                    </a:lnL>
-                    <a:lnR w="0">
-                      <a:noFill/>
-                    </a:lnR>
-                    <a:lnT w="0">
-                      <a:noFill/>
-                    </a:lnT>
-                    <a:lnB w="0">
-                      <a:noFill/>
-                    </a:lnB>
-                    <a:solidFill>
-                      <a:srgbClr val="F7F7F7"/>
-                    </a:solidFill>
-                  </a:tcPr>
-                </a:tc>
-                <a:tc>
-                  <a:txBody>
-                    <a:bodyPr/>
-                    <a:lstStyle/>
-                    <a:p>
-                      <a:pPr algn="ctr"/>
-                      <a:r>
-                        <a:rPr sz="900" b="0">
-                          <a:solidFill>
-                            <a:srgbClr val="000000"/>
-                          </a:solidFill>
-                          <a:latin typeface="Arial"/>
-                        </a:rPr>
-                        <a:t/>
-                      </a:r>
-                    </a:p>
-                  </a:txBody>
-                  <a:tcPr anchor="t">
-                    <a:lnL w="0">
-                      <a:noFill/>
-                    </a:lnL>
-                    <a:lnR w="0">
-                      <a:noFill/>
-                    </a:lnR>
-                    <a:lnT w="0">
-                      <a:noFill/>
-                    </a:lnT>
-                    <a:lnB w="0">
-                      <a:noFill/>
-                    </a:lnB>
-                    <a:solidFill>
-                      <a:srgbClr val="F7F7F7"/>
-                    </a:solidFill>
-                  </a:tcPr>
-                </a:tc>
-                <a:tc>
-                  <a:txBody>
-                    <a:bodyPr/>
-                    <a:lstStyle/>
-                    <a:p>
-                      <a:pPr algn="ctr"/>
-                      <a:r>
-                        <a:rPr sz="900" b="0">
-                          <a:solidFill>
-                            <a:srgbClr val="000000"/>
-                          </a:solidFill>
-                          <a:latin typeface="Arial"/>
-                        </a:rPr>
-                        <a:t/>
-                      </a:r>
-                    </a:p>
-                  </a:txBody>
-                  <a:tcPr anchor="t">
+                        <a:t>R&amp;D investment in sustainable healthcare practices (Budget: 60,000K JPY); Obtain ISO 14001 certification; Collaborate with suppliers on Scope 3 reductions</a:t>
+                      </a:r>
+                    </a:p>
+                  </a:txBody>
+                  <a:tcPr anchor="ctr">
                     <a:lnL w="0">
                       <a:noFill/>
                     </a:lnL>
@@ -2507,7 +2124,7 @@
                           </a:solidFill>
                           <a:latin typeface="Arial"/>
                         </a:rPr>
-                        <a:t>Heavy rainfall and flooding disrupting operations in coastal locations</a:t>
+                        <a:t>Torrential rain causing flooding of basement medical storage &amp; backup power</a:t>
                       </a:r>
                     </a:p>
                   </a:txBody>
@@ -2542,7 +2159,7 @@
                           </a:solidFill>
                           <a:latin typeface="Arial"/>
                         </a:rPr>
-                        <a:t>Asset repair cost est. $450K; Temporary clinic closures leading to $1,200K revenue loss</a:t>
+                        <a:t>Asset repair cost est. ¥25,000K; Medical supply loss ¥8,000K</a:t>
                       </a:r>
                     </a:p>
                   </a:txBody>
@@ -2577,7 +2194,7 @@
                           </a:solidFill>
                           <a:latin typeface="Arial"/>
                         </a:rPr>
-                        <a:t>Upgrade HVAC systems to handle higher peak temps (Budget: $600K); Develop flood response and business continuity plans; Invest in flood-proofing measures for high-risk clinics (Budget: $250K)</a:t>
+                        <a:t>Upgrade drainage system (Budget: ¥15,000K); Install submersible pumps &amp; watertight doors (Budget: ¥8,000K); Establish offsite backup storage</a:t>
                       </a:r>
                     </a:p>
                   </a:txBody>
@@ -2721,7 +2338,7 @@
                           </a:solidFill>
                           <a:latin typeface="Arial"/>
                         </a:rPr>
-                        <a:t>Rising sea levels increasing risk of permanent flooding damage to coastal clinics</a:t>
+                        <a:t>Increasing summer temperatures reducing HVAC efficiency &amp; patient comfort</a:t>
                       </a:r>
                     </a:p>
                   </a:txBody>
@@ -2756,7 +2373,7 @@
                           </a:solidFill>
                           <a:latin typeface="Arial"/>
                         </a:rPr>
-                        <a:t>Electricity cooling cost increase $180K/year; Potential permanent loss of clinic infrastructure valued at $3,500K</a:t>
+                        <a:t>Electricity cooling cost increase ¥12,000K/year; Potential revenue loss from lower bed occupancy</a:t>
                       </a:r>
                     </a:p>
                   </a:txBody>
@@ -2791,7 +2408,7 @@
                           </a:solidFill>
                           <a:latin typeface="Arial"/>
                         </a:rPr>
-                        <a:t>Conduct energy audits and retrofits to improve efficiency (Budget: $400K); Develop long-term plans to relocate at-risk coastal clinics; Invest in on-site renewable energy to reduce reliance on grid power (Budget: $1,200K)</a:t>
+                        <a:t>Upgrade to high-efficiency HVAC with heat recovery (Budget: ¥80,000K); Improve building insulation (Budget: ¥50,000K); Implement AI-based building management system</a:t>
                       </a:r>
                     </a:p>
                   </a:txBody>
@@ -3356,7 +2973,7 @@
                           </a:solidFill>
                           <a:latin typeface="Arial"/>
                         </a:rPr>
-                        <a:t>Implement medical waste recycling program; Reduce disposable medical supplies usage</a:t>
+                        <a:t>Water treatment plant optimization</a:t>
                       </a:r>
                     </a:p>
                   </a:txBody>
@@ -3391,7 +3008,7 @@
                           </a:solidFill>
                           <a:latin typeface="Arial"/>
                         </a:rPr>
-                        <a:t>Water and waste disposal cost savings of $85K/year; Reduced medical supply expenses of $250K/year</a:t>
+                        <a:t>Cost savings of ¥25,000K/year from reduced waste disposal fees; ¥10,000K/year savings in water bills</a:t>
                       </a:r>
                     </a:p>
                   </a:txBody>
@@ -3426,7 +3043,7 @@
                           </a:solidFill>
                           <a:latin typeface="Arial"/>
                         </a:rPr>
-                        <a:t>Install water-efficient faucets and toilets (Budget: $120K); Partner with waste recycler (Cost: $50K/year); Educate staff on reusable alternatives</a:t>
+                        <a:t>Install autoclave sterilizer and shredder for on-site medical waste processing (Budget: ¥50,000K); Upgrade water treatment system with MBR and RO (Budget: ¥30,000K)</a:t>
                       </a:r>
                     </a:p>
                   </a:txBody>
@@ -3572,7 +3189,7 @@
                           </a:solidFill>
                           <a:latin typeface="Arial"/>
                         </a:rPr>
-                        <a:t>Procure renewable energy through utility green power program</a:t>
+                        <a:t>Switch to renewable energy PPA for purchased electricity</a:t>
                       </a:r>
                     </a:p>
                   </a:txBody>
@@ -3607,7 +3224,7 @@
                           </a:solidFill>
                           <a:latin typeface="Arial"/>
                         </a:rPr>
-                        <a:t>Electricity cost savings of $75K/year; Avoided carbon tax of $10K/year</a:t>
+                        <a:t>Energy cost reduction of ¥18,000K/year; Renewable energy subsidies of ¥5,000K</a:t>
                       </a:r>
                     </a:p>
                   </a:txBody>
@@ -3642,7 +3259,7 @@
                           </a:solidFill>
                           <a:latin typeface="Arial"/>
                         </a:rPr>
-                        <a:t>500 kW solar PV system (Budget: $1,000K); Subscribe to 100% wind power plan (Added cost: $20K/year)</a:t>
+                        <a:t>Install 500 kW rooftop solar array (Budget: ¥100,000K); Sign 10-year PPA for renewable energy (wind/solar) to cover 50% of electricity</a:t>
                       </a:r>
                     </a:p>
                   </a:txBody>
@@ -4207,7 +3824,7 @@
                           </a:solidFill>
                           <a:latin typeface="Arial"/>
                         </a:rPr>
-                        <a:t>Transition to paperless &amp; digital processes</a:t>
+                        <a:t>Investment in energy efficient medical equipment</a:t>
                       </a:r>
                     </a:p>
                   </a:txBody>
@@ -4242,7 +3859,7 @@
                           </a:solidFill>
                           <a:latin typeface="Arial"/>
                         </a:rPr>
-                        <a:t>New revenue stream of $2,500K; Efficiency gains of $500K</a:t>
+                        <a:t>Telemedicine revenue growth of ¥50,000K; Electricity cost savings of ¥5,000K annually</a:t>
                       </a:r>
                     </a:p>
                   </a:txBody>
@@ -4277,7 +3894,7 @@
                           </a:solidFill>
                           <a:latin typeface="Arial"/>
                         </a:rPr>
-                        <a:t>IT infrastructure upgrade (Budget: $1,000K); Staff training &amp; change management</a:t>
+                        <a:t>Telemedicine platform R&amp;D (Budget: ¥20,000K); Procurement of low-energy MRI and CT scanners (CapEx: ¥80,000K)</a:t>
                       </a:r>
                     </a:p>
                   </a:txBody>
@@ -4421,7 +4038,7 @@
                           </a:solidFill>
                           <a:latin typeface="Arial"/>
                         </a:rPr>
-                        <a:t>Preferred provider status with insurers focused on preventive care</a:t>
+                        <a:t>Expansion into rural healthcare markets with solar-powered mobile clinics</a:t>
                       </a:r>
                     </a:p>
                   </a:txBody>
@@ -4456,7 +4073,7 @@
                           </a:solidFill>
                           <a:latin typeface="Arial"/>
                         </a:rPr>
-                        <a:t>Retention of key accounts ($5,000K value)</a:t>
+                        <a:t>Access to ¥100,000K government rural health subsidy; 10% market share in underserved regions</a:t>
                       </a:r>
                     </a:p>
                   </a:txBody>
@@ -4491,7 +4108,7 @@
                           </a:solidFill>
                           <a:latin typeface="Arial"/>
                         </a:rPr>
-                        <a:t>Achieve top quartile quality metrics; Implement population health analytics (Budget: $800K)</a:t>
+                        <a:t>Solar retrofit of mobile clinic fleet (CapEx: ¥10,000K); Rural healthcare outreach program (Budget: ¥5,000K)</a:t>
                       </a:r>
                     </a:p>
                   </a:txBody>
@@ -5057,7 +4674,7 @@
                           </a:solidFill>
                           <a:latin typeface="Arial"/>
                         </a:rPr>
-                        <a:t>Reduce Scope 1&amp;2 by 40% by 2030 (Base year 2022)</a:t>
+                        <a:t>Reduce Scope 1&amp;2 emissions by 40% by 2030 (vs. 2022)</a:t>
                       </a:r>
                     </a:p>
                   </a:txBody>
@@ -5092,7 +4709,7 @@
                           </a:solidFill>
                           <a:latin typeface="Arial"/>
                         </a:rPr>
-                        <a:t>Achieved -5% reduction; Scope 3 not yet measured</a:t>
+                        <a:t>Scope 1+2 emissions 349.27 tCO2e; Achieved 5% reduction in carbon intensity per patient</a:t>
                       </a:r>
                     </a:p>
                   </a:txBody>
@@ -5127,7 +4744,7 @@
                           </a:solidFill>
                           <a:latin typeface="Arial"/>
                         </a:rPr>
-                        <a:t>Retrofit buildings for energy efficiency; Transition to renewable electricity (Budget: $500K)</a:t>
+                        <a:t>Transition to renewable electricity (52% by 2030); Implement energy efficiency measures (LED lighting, HVAC optimization)</a:t>
                       </a:r>
                     </a:p>
                   </a:txBody>
@@ -5273,7 +4890,7 @@
                           </a:solidFill>
                           <a:latin typeface="Arial"/>
                         </a:rPr>
-                        <a:t>Achieve 80% Waste Diversion Rate by 2028</a:t>
+                        <a:t>Achieve 60% Waste Recycling Rate by 2028</a:t>
                       </a:r>
                     </a:p>
                   </a:txBody>
@@ -5308,7 +4925,7 @@
                           </a:solidFill>
                           <a:latin typeface="Arial"/>
                         </a:rPr>
-                        <a:t>Current rate 60%; Waste per patient visit decreased 10%</a:t>
+                        <a:t>Current rate 45%; Total waste generated decreased 3% YoY</a:t>
                       </a:r>
                     </a:p>
                   </a:txBody>
@@ -5343,7 +4960,7 @@
                           </a:solidFill>
                           <a:latin typeface="Arial"/>
                         </a:rPr>
-                        <a:t>Implement reusable medical supplies; Partner with waste-to-energy facility (Budget: $250K)</a:t>
+                        <a:t>Improve waste segregation training; Partner with recycling vendors to expand accepted materials (Budget: ¥25,000K)</a:t>
                       </a:r>
                     </a:p>
                   </a:txBody>
@@ -5909,7 +5526,7 @@
                           </a:solidFill>
                           <a:latin typeface="Arial"/>
                         </a:rPr>
-                        <a:t>OSHA Compliance</a:t>
+                        <a:t>JCI Hospital Accreditation</a:t>
                       </a:r>
                     </a:p>
                   </a:txBody>
@@ -5944,7 +5561,7 @@
                           </a:solidFill>
                           <a:latin typeface="Arial"/>
                         </a:rPr>
-                        <a:t>Key clients require ISO 14001; Current gap in waste management</a:t>
+                        <a:t>Regulatory compliance; Gaps in waste management and infection control</a:t>
                       </a:r>
                     </a:p>
                   </a:txBody>
@@ -5979,7 +5596,7 @@
                           </a:solidFill>
                           <a:latin typeface="Arial"/>
                         </a:rPr>
-                        <a:t>Conduct EMS gap assessment (Budget: $10K); Implement medical waste recycling program (Budget: $50K)</a:t>
+                        <a:t>Conduct gap assessment (Budget: ¥5,000K); Implement waste segregation and disposal system (Budget: ¥10,000K); Staff training on infection control (Budget: ¥2,000K)</a:t>
                       </a:r>
                     </a:p>
                   </a:txBody>
@@ -6124,11 +5741,11 @@
                           </a:solidFill>
                           <a:latin typeface="Arial"/>
                         </a:rPr>
-                        <a:t>Supplier Code of Conduct covering ESG metrics</a:t>
-                      </a:r>
-                    </a:p>
-                  </a:txBody>
-                  <a:tcPr anchor="ctr">
+                        <a:t/>
+                      </a:r>
+                    </a:p>
+                  </a:txBody>
+                  <a:tcPr anchor="t">
                     <a:lnL w="0">
                       <a:noFill/>
                     </a:lnL>
@@ -6159,11 +5776,11 @@
                           </a:solidFill>
                           <a:latin typeface="Arial"/>
                         </a:rPr>
-                        <a:t>Lack of visibility into Scope 3 emissions; Need to assess ESG risks</a:t>
-                      </a:r>
-                    </a:p>
-                  </a:txBody>
-                  <a:tcPr anchor="ctr">
+                        <a:t/>
+                      </a:r>
+                    </a:p>
+                  </a:txBody>
+                  <a:tcPr anchor="t">
                     <a:lnL w="0">
                       <a:noFill/>
                     </a:lnL>
@@ -6194,11 +5811,11 @@
                           </a:solidFill>
                           <a:latin typeface="Arial"/>
                         </a:rPr>
-                        <a:t>Roll out Supplier ESG survey &amp; audits (Budget: $25K); Develop preferred supplier program based on ESG performance</a:t>
-                      </a:r>
-                    </a:p>
-                  </a:txBody>
-                  <a:tcPr anchor="ctr">
+                        <a:t/>
+                      </a:r>
+                    </a:p>
+                  </a:txBody>
+                  <a:tcPr anchor="t">
                     <a:lnL w="0">
                       <a:noFill/>
                     </a:lnL>
@@ -6760,7 +6377,7 @@
                           </a:solidFill>
                           <a:latin typeface="Arial"/>
                         </a:rPr>
-                        <a:t>Clinic Staff Resilience Team</a:t>
+                        <a:t>Medical Staff Capability Development</a:t>
                       </a:r>
                     </a:p>
                   </a:txBody>
@@ -6795,7 +6412,7 @@
                           </a:solidFill>
                           <a:latin typeface="Arial"/>
                         </a:rPr>
-                        <a:t>Skill gap in infectious disease protocols; Burnout and attrition risk</a:t>
+                        <a:t>Skill gap in climate-related illness treatment; Staff burnout risk</a:t>
                       </a:r>
                     </a:p>
                   </a:txBody>
@@ -6830,7 +6447,7 @@
                           </a:solidFill>
                           <a:latin typeface="Arial"/>
                         </a:rPr>
-                        <a:t>Establish Pandemic Preparedness Training (Budget: $1,200K); Mental health support benefits</a:t>
+                        <a:t>Establish Climate Medicine Training Program (Budget: ¥12,000K); Mental health support initiatives</a:t>
                       </a:r>
                     </a:p>
                   </a:txBody>
@@ -6975,7 +6592,7 @@
                           </a:solidFill>
                           <a:latin typeface="Arial"/>
                         </a:rPr>
-                        <a:t>Water &amp; Power Resilience Team</a:t>
+                        <a:t>Hospital Water &amp; Power Resilience Team</a:t>
                       </a:r>
                     </a:p>
                   </a:txBody>
@@ -7010,7 +6627,7 @@
                           </a:solidFill>
                           <a:latin typeface="Arial"/>
                         </a:rPr>
-                        <a:t>Aging local utility infrastructure; Outage risks for critical equipment</a:t>
+                        <a:t>Disruption to water/power supply during disasters; Care delivery risk</a:t>
                       </a:r>
                     </a:p>
                   </a:txBody>
@@ -7045,7 +6662,7 @@
                           </a:solidFill>
                           <a:latin typeface="Arial"/>
                         </a:rPr>
-                        <a:t>Onsite water storage and treatment (Budget: $850K); Backup generator capacity</a:t>
+                        <a:t>Onsite water storage &amp; purification (Budget: ¥35,000K); Backup power generation capacity</a:t>
                       </a:r>
                     </a:p>
                   </a:txBody>

--- a/shared/engine/tcfd/output/TCFD_table.pptx
+++ b/shared/engine/tcfd/output/TCFD_table.pptx
@@ -1288,7 +1288,7 @@
                           </a:solidFill>
                           <a:latin typeface="Arial"/>
                         </a:rPr>
-                        <a:t>Stricter hospital emission regulations</a:t>
+                        <a:t>Stricter medical waste emission limits</a:t>
                       </a:r>
                     </a:p>
                   </a:txBody>
@@ -1323,7 +1323,7 @@
                           </a:solidFill>
                           <a:latin typeface="Arial"/>
                         </a:rPr>
-                        <a:t>Operating cost increase by 50,000K JPY; Gross margin impact -3.1%</a:t>
+                        <a:t>Carbon tax cost 4.7-9.4K CNY/year; Operating cost +5-10%; Profit margin -1-2%</a:t>
                       </a:r>
                     </a:p>
                   </a:txBody>
@@ -1358,7 +1358,7 @@
                           </a:solidFill>
                           <a:latin typeface="Arial"/>
                         </a:rPr>
-                        <a:t>Implement internal carbon pricing (Budget: 8,000K JPY); Accelerate renewable energy procurement; Upgrade to energy-efficient medical equipment</a:t>
+                        <a:t>Internal carbon price of 100 CNY/tCO2e (Budget: 50K CNY); Improve medical waste incinerator efficiency by 20% (Budget: 500K CNY)</a:t>
                       </a:r>
                     </a:p>
                   </a:txBody>
@@ -1489,7 +1489,7 @@
                           </a:solidFill>
                           <a:latin typeface="Arial"/>
                         </a:rPr>
-                        <a:t>Competitor adoption of green hospital tech</a:t>
+                        <a:t>Competitor adopting pyrolysis gasification</a:t>
                       </a:r>
                     </a:p>
                   </a:txBody>
@@ -1524,7 +1524,7 @@
                           </a:solidFill>
                           <a:latin typeface="Arial"/>
                         </a:rPr>
-                        <a:t>Potential revenue loss of 150,000K JPY from key payers</a:t>
+                        <a:t>30% revenue loss from top 3 clients (3916K CNY)</a:t>
                       </a:r>
                     </a:p>
                   </a:txBody>
@@ -1559,7 +1559,7 @@
                           </a:solidFill>
                           <a:latin typeface="Arial"/>
                         </a:rPr>
-                        <a:t>R&amp;D investment in sustainable healthcare practices (Budget: 60,000K JPY); Obtain ISO 14001 certification; Collaborate with suppliers on Scope 3 reductions</a:t>
+                        <a:t>Pilot low-carbon microwave disinfection system (Budget: 1500K CNY); Achieve carbon neutrality by 2028 (Budget: 500K CNY)</a:t>
                       </a:r>
                     </a:p>
                   </a:txBody>
@@ -2124,7 +2124,7 @@
                           </a:solidFill>
                           <a:latin typeface="Arial"/>
                         </a:rPr>
-                        <a:t>Torrential rain causing flooding of basement medical storage &amp; backup power</a:t>
+                        <a:t>Droughts disrupting effluent treatment</a:t>
                       </a:r>
                     </a:p>
                   </a:txBody>
@@ -2159,7 +2159,7 @@
                           </a:solidFill>
                           <a:latin typeface="Arial"/>
                         </a:rPr>
-                        <a:t>Asset repair cost est. ¥25,000K; Medical supply loss ¥8,000K</a:t>
+                        <a:t>Asset repair cost est. ¥15,000K; Operations halt for 7 days</a:t>
                       </a:r>
                     </a:p>
                   </a:txBody>
@@ -2194,7 +2194,7 @@
                           </a:solidFill>
                           <a:latin typeface="Arial"/>
                         </a:rPr>
-                        <a:t>Upgrade drainage system (Budget: ¥15,000K); Install submersible pumps &amp; watertight doors (Budget: ¥8,000K); Establish offsite backup storage</a:t>
+                        <a:t>Construct flood barriers (Budget: ¥5,000K); Establish backup water supply contracts</a:t>
                       </a:r>
                     </a:p>
                   </a:txBody>
@@ -2338,7 +2338,7 @@
                           </a:solidFill>
                           <a:latin typeface="Arial"/>
                         </a:rPr>
-                        <a:t>Increasing summer temperatures reducing HVAC efficiency &amp; patient comfort</a:t>
+                        <a:t>Rising mean temperature reducing autoclave efficiency</a:t>
                       </a:r>
                     </a:p>
                   </a:txBody>
@@ -2373,7 +2373,7 @@
                           </a:solidFill>
                           <a:latin typeface="Arial"/>
                         </a:rPr>
-                        <a:t>Electricity cooling cost increase ¥12,000K/year; Potential revenue loss from lower bed occupancy</a:t>
+                        <a:t>Gas cost increase ¥1,200K/year; Higher autoclave maintenance</a:t>
                       </a:r>
                     </a:p>
                   </a:txBody>
@@ -2408,7 +2408,7 @@
                           </a:solidFill>
                           <a:latin typeface="Arial"/>
                         </a:rPr>
-                        <a:t>Upgrade to high-efficiency HVAC with heat recovery (Budget: ¥80,000K); Improve building insulation (Budget: ¥50,000K); Implement AI-based building management system</a:t>
+                        <a:t>Upgrade to vacuum autoclaves (Budget: ¥8,000K); AI-based autoclave monitoring system</a:t>
                       </a:r>
                     </a:p>
                   </a:txBody>
@@ -2973,7 +2973,7 @@
                           </a:solidFill>
                           <a:latin typeface="Arial"/>
                         </a:rPr>
-                        <a:t>Water treatment plant optimization</a:t>
+                        <a:t>Implementation of closed-loop water recycling</a:t>
                       </a:r>
                     </a:p>
                   </a:txBody>
@@ -3008,7 +3008,7 @@
                           </a:solidFill>
                           <a:latin typeface="Arial"/>
                         </a:rPr>
-                        <a:t>Cost savings of ¥25,000K/year from reduced waste disposal fees; ¥10,000K/year savings in water bills</a:t>
+                        <a:t>Cost savings of 6,000K CNY/year from reduced chemical purchases; 3,000K CNY/year savings from lower water withdrawal fees</a:t>
                       </a:r>
                     </a:p>
                   </a:txBody>
@@ -3043,7 +3043,7 @@
                           </a:solidFill>
                           <a:latin typeface="Arial"/>
                         </a:rPr>
-                        <a:t>Install autoclave sterilizer and shredder for on-site medical waste processing (Budget: ¥50,000K); Upgrade water treatment system with MBR and RO (Budget: ¥30,000K)</a:t>
+                        <a:t>Install reverse osmosis water recycling system (Budget: 8,000K CNY); Optimize chemical dosing and recovery process (Budget: 2,000K CNY)</a:t>
                       </a:r>
                     </a:p>
                   </a:txBody>
@@ -3189,11 +3189,11 @@
                           </a:solidFill>
                           <a:latin typeface="Arial"/>
                         </a:rPr>
-                        <a:t>Switch to renewable energy PPA for purchased electricity</a:t>
-                      </a:r>
-                    </a:p>
-                  </a:txBody>
-                  <a:tcPr anchor="ctr">
+                        <a:t/>
+                      </a:r>
+                    </a:p>
+                  </a:txBody>
+                  <a:tcPr anchor="t">
                     <a:lnL w="0">
                       <a:noFill/>
                     </a:lnL>
@@ -3224,11 +3224,11 @@
                           </a:solidFill>
                           <a:latin typeface="Arial"/>
                         </a:rPr>
-                        <a:t>Energy cost reduction of ¥18,000K/year; Renewable energy subsidies of ¥5,000K</a:t>
-                      </a:r>
-                    </a:p>
-                  </a:txBody>
-                  <a:tcPr anchor="ctr">
+                        <a:t/>
+                      </a:r>
+                    </a:p>
+                  </a:txBody>
+                  <a:tcPr anchor="t">
                     <a:lnL w="0">
                       <a:noFill/>
                     </a:lnL>
@@ -3259,11 +3259,11 @@
                           </a:solidFill>
                           <a:latin typeface="Arial"/>
                         </a:rPr>
-                        <a:t>Install 500 kW rooftop solar array (Budget: ¥100,000K); Sign 10-year PPA for renewable energy (wind/solar) to cover 50% of electricity</a:t>
-                      </a:r>
-                    </a:p>
-                  </a:txBody>
-                  <a:tcPr anchor="ctr">
+                        <a:t/>
+                      </a:r>
+                    </a:p>
+                  </a:txBody>
+                  <a:tcPr anchor="t">
                     <a:lnL w="0">
                       <a:noFill/>
                     </a:lnL>
@@ -3824,7 +3824,7 @@
                           </a:solidFill>
                           <a:latin typeface="Arial"/>
                         </a:rPr>
-                        <a:t>Investment in energy efficient medical equipment</a:t>
+                        <a:t>Invest in energy-efficient autoclaves and shredders</a:t>
                       </a:r>
                     </a:p>
                   </a:txBody>
@@ -3859,7 +3859,7 @@
                           </a:solidFill>
                           <a:latin typeface="Arial"/>
                         </a:rPr>
-                        <a:t>Telemedicine revenue growth of ¥50,000K; Electricity cost savings of ¥5,000K annually</a:t>
+                        <a:t>New revenue from eco-conscious healthcare clients ($1,200K); 10% market share growth</a:t>
                       </a:r>
                     </a:p>
                   </a:txBody>
@@ -3894,7 +3894,7 @@
                           </a:solidFill>
                           <a:latin typeface="Arial"/>
                         </a:rPr>
-                        <a:t>Telemedicine platform R&amp;D (Budget: ¥20,000K); Procurement of low-energy MRI and CT scanners (CapEx: ¥80,000K)</a:t>
+                        <a:t>R&amp;D for low-emissions incineration (Budget: $500K); Environmental tech upgrades (Budget: $800K)</a:t>
                       </a:r>
                     </a:p>
                   </a:txBody>
@@ -4038,7 +4038,7 @@
                           </a:solidFill>
                           <a:latin typeface="Arial"/>
                         </a:rPr>
-                        <a:t>Expansion into rural healthcare markets with solar-powered mobile clinics</a:t>
+                        <a:t>Expand to regions with stricter medical waste standards</a:t>
                       </a:r>
                     </a:p>
                   </a:txBody>
@@ -4073,7 +4073,7 @@
                           </a:solidFill>
                           <a:latin typeface="Arial"/>
                         </a:rPr>
-                        <a:t>Access to ¥100,000K government rural health subsidy; 10% market share in underserved regions</a:t>
+                        <a:t>Access to premium hospital contracts ($3,000K value)</a:t>
                       </a:r>
                     </a:p>
                   </a:txBody>
@@ -4108,7 +4108,7 @@
                           </a:solidFill>
                           <a:latin typeface="Arial"/>
                         </a:rPr>
-                        <a:t>Solar retrofit of mobile clinic fleet (CapEx: ¥10,000K); Rural healthcare outreach program (Budget: ¥5,000K)</a:t>
+                        <a:t>Establish treatment hubs in key cities; Real-time waste tracking system (Budget: $1,500K)</a:t>
                       </a:r>
                     </a:p>
                   </a:txBody>
@@ -4674,7 +4674,7 @@
                           </a:solidFill>
                           <a:latin typeface="Arial"/>
                         </a:rPr>
-                        <a:t>Reduce Scope 1&amp;2 emissions by 40% by 2030 (vs. 2022)</a:t>
+                        <a:t>Reduce Scope 1&amp;2 by 45% by 2030 (Base year 2022)</a:t>
                       </a:r>
                     </a:p>
                   </a:txBody>
@@ -4709,7 +4709,7 @@
                           </a:solidFill>
                           <a:latin typeface="Arial"/>
                         </a:rPr>
-                        <a:t>Scope 1+2 emissions 349.27 tCO2e; Achieved 5% reduction in carbon intensity per patient</a:t>
+                        <a:t>2022 emissions: 93.95 tCO2e (Scope 1: 8.54, Scope 2: 85.41)</a:t>
                       </a:r>
                     </a:p>
                   </a:txBody>
@@ -4744,7 +4744,7 @@
                           </a:solidFill>
                           <a:latin typeface="Arial"/>
                         </a:rPr>
-                        <a:t>Transition to renewable electricity (52% by 2030); Implement energy efficiency measures (LED lighting, HVAC optimization)</a:t>
+                        <a:t>Transition fleet to EVs; Install rooftop solar PV (Budget: ¥850K); Engage with waste collection partners to optimize routes</a:t>
                       </a:r>
                     </a:p>
                   </a:txBody>
@@ -4890,7 +4890,7 @@
                           </a:solidFill>
                           <a:latin typeface="Arial"/>
                         </a:rPr>
-                        <a:t>Achieve 60% Waste Recycling Rate by 2028</a:t>
+                        <a:t>Achieve 85% Hazardous Waste Treatment Rate by 2028</a:t>
                       </a:r>
                     </a:p>
                   </a:txBody>
@@ -4925,7 +4925,7 @@
                           </a:solidFill>
                           <a:latin typeface="Arial"/>
                         </a:rPr>
-                        <a:t>Current rate 45%; Total waste generated decreased 3% YoY</a:t>
+                        <a:t>Current rate 68%; Waste intensity flat in 2022</a:t>
                       </a:r>
                     </a:p>
                   </a:txBody>
@@ -4960,7 +4960,7 @@
                           </a:solidFill>
                           <a:latin typeface="Arial"/>
                         </a:rPr>
-                        <a:t>Improve waste segregation training; Partner with recycling vendors to expand accepted materials (Budget: ¥25,000K)</a:t>
+                        <a:t>Expand high-temperature incineration capacity by 30% (Budget: ¥12,500K); Launch safe disposal awareness campaign for clients</a:t>
                       </a:r>
                     </a:p>
                   </a:txBody>
@@ -5526,7 +5526,7 @@
                           </a:solidFill>
                           <a:latin typeface="Arial"/>
                         </a:rPr>
-                        <a:t>JCI Hospital Accreditation</a:t>
+                        <a:t>National Permit for Medical Waste Treatment</a:t>
                       </a:r>
                     </a:p>
                   </a:txBody>
@@ -5561,7 +5561,7 @@
                           </a:solidFill>
                           <a:latin typeface="Arial"/>
                         </a:rPr>
-                        <a:t>Regulatory compliance; Gaps in waste management and infection control</a:t>
+                        <a:t>Key hospital clients require 100% compliance; Current gap in wastewater treatment</a:t>
                       </a:r>
                     </a:p>
                   </a:txBody>
@@ -5596,7 +5596,7 @@
                           </a:solidFill>
                           <a:latin typeface="Arial"/>
                         </a:rPr>
-                        <a:t>Conduct gap assessment (Budget: ¥5,000K); Implement waste segregation and disposal system (Budget: ¥10,000K); Staff training on infection control (Budget: ¥2,000K)</a:t>
+                        <a:t>Upgrade on-site wastewater treatment system (Budget: ¥800K); Conduct EHS training for all operators (Budget: ¥200K)</a:t>
                       </a:r>
                     </a:p>
                   </a:txBody>
@@ -6377,7 +6377,7 @@
                           </a:solidFill>
                           <a:latin typeface="Arial"/>
                         </a:rPr>
-                        <a:t>Medical Staff Capability Development</a:t>
+                        <a:t>Medical Waste Handling Team</a:t>
                       </a:r>
                     </a:p>
                   </a:txBody>
@@ -6412,7 +6412,7 @@
                           </a:solidFill>
                           <a:latin typeface="Arial"/>
                         </a:rPr>
-                        <a:t>Skill gap in climate-related illness treatment; Staff burnout risk</a:t>
+                        <a:t>Skill gap in safe waste segregation &amp; packaging; Infection risk</a:t>
                       </a:r>
                     </a:p>
                   </a:txBody>
@@ -6447,7 +6447,7 @@
                           </a:solidFill>
                           <a:latin typeface="Arial"/>
                         </a:rPr>
-                        <a:t>Establish Climate Medicine Training Program (Budget: ¥12,000K); Mental health support initiatives</a:t>
+                        <a:t>Establish Biosafety Training Academy (Budget: ¥500K); VR simulation for waste handling</a:t>
                       </a:r>
                     </a:p>
                   </a:txBody>
@@ -6592,7 +6592,7 @@
                           </a:solidFill>
                           <a:latin typeface="Arial"/>
                         </a:rPr>
-                        <a:t>Hospital Water &amp; Power Resilience Team</a:t>
+                        <a:t>Water &amp; Power Resilience Team</a:t>
                       </a:r>
                     </a:p>
                   </a:txBody>
@@ -6627,7 +6627,7 @@
                           </a:solidFill>
                           <a:latin typeface="Arial"/>
                         </a:rPr>
-                        <a:t>Disruption to water/power supply during disasters; Care delivery risk</a:t>
+                        <a:t>Unreliable grid power; Water scarcity risk for sterilization</a:t>
                       </a:r>
                     </a:p>
                   </a:txBody>
@@ -6662,7 +6662,7 @@
                           </a:solidFill>
                           <a:latin typeface="Arial"/>
                         </a:rPr>
-                        <a:t>Onsite water storage &amp; purification (Budget: ¥35,000K); Backup power generation capacity</a:t>
+                        <a:t>On-site solar+storage system (Budget: ¥8,000K); Water recycling partnership with utility</a:t>
                       </a:r>
                     </a:p>
                   </a:txBody>
